--- a/EyeCane - Presentation.pptx
+++ b/EyeCane - Presentation.pptx
@@ -112,6 +112,22 @@
       </a:defRPr>
     </a:lvl9pPr>
   </p:defaultTextStyle>
+  <p:extLst>
+    <p:ext uri="{EFAFB233-063F-42B5-8137-9DF3F51BA10A}">
+      <p15:sldGuideLst xmlns:p15="http://schemas.microsoft.com/office/powerpoint/2012/main">
+        <p15:guide id="1" orient="horz" pos="1800">
+          <p15:clr>
+            <a:srgbClr val="A4A3A4"/>
+          </p15:clr>
+        </p15:guide>
+        <p15:guide id="2" pos="2880">
+          <p15:clr>
+            <a:srgbClr val="A4A3A4"/>
+          </p15:clr>
+        </p15:guide>
+      </p15:sldGuideLst>
+    </p:ext>
+  </p:extLst>
 </p:presentation>
 </file>
 
@@ -297,7 +313,7 @@
             <a:fld id="{DDF1AD93-85FD-4EA9-843D-174D7D974609}" type="datetimeFigureOut">
               <a:rPr lang="bg-BG" smtClean="0"/>
               <a:pPr/>
-              <a:t>12.1.2017 г.</a:t>
+              <a:t>22.4.2017 г.</a:t>
             </a:fld>
             <a:endParaRPr lang="bg-BG" dirty="0"/>
           </a:p>
@@ -467,7 +483,7 @@
             <a:fld id="{DDF1AD93-85FD-4EA9-843D-174D7D974609}" type="datetimeFigureOut">
               <a:rPr lang="bg-BG" smtClean="0"/>
               <a:pPr/>
-              <a:t>12.1.2017 г.</a:t>
+              <a:t>22.4.2017 г.</a:t>
             </a:fld>
             <a:endParaRPr lang="bg-BG" dirty="0"/>
           </a:p>
@@ -647,7 +663,7 @@
             <a:fld id="{DDF1AD93-85FD-4EA9-843D-174D7D974609}" type="datetimeFigureOut">
               <a:rPr lang="bg-BG" smtClean="0"/>
               <a:pPr/>
-              <a:t>12.1.2017 г.</a:t>
+              <a:t>22.4.2017 г.</a:t>
             </a:fld>
             <a:endParaRPr lang="bg-BG" dirty="0"/>
           </a:p>
@@ -817,7 +833,7 @@
             <a:fld id="{DDF1AD93-85FD-4EA9-843D-174D7D974609}" type="datetimeFigureOut">
               <a:rPr lang="bg-BG" smtClean="0"/>
               <a:pPr/>
-              <a:t>12.1.2017 г.</a:t>
+              <a:t>22.4.2017 г.</a:t>
             </a:fld>
             <a:endParaRPr lang="bg-BG" dirty="0"/>
           </a:p>
@@ -1063,7 +1079,7 @@
             <a:fld id="{DDF1AD93-85FD-4EA9-843D-174D7D974609}" type="datetimeFigureOut">
               <a:rPr lang="bg-BG" smtClean="0"/>
               <a:pPr/>
-              <a:t>12.1.2017 г.</a:t>
+              <a:t>22.4.2017 г.</a:t>
             </a:fld>
             <a:endParaRPr lang="bg-BG" dirty="0"/>
           </a:p>
@@ -1351,7 +1367,7 @@
             <a:fld id="{DDF1AD93-85FD-4EA9-843D-174D7D974609}" type="datetimeFigureOut">
               <a:rPr lang="bg-BG" smtClean="0"/>
               <a:pPr/>
-              <a:t>12.1.2017 г.</a:t>
+              <a:t>22.4.2017 г.</a:t>
             </a:fld>
             <a:endParaRPr lang="bg-BG" dirty="0"/>
           </a:p>
@@ -1773,7 +1789,7 @@
             <a:fld id="{DDF1AD93-85FD-4EA9-843D-174D7D974609}" type="datetimeFigureOut">
               <a:rPr lang="bg-BG" smtClean="0"/>
               <a:pPr/>
-              <a:t>12.1.2017 г.</a:t>
+              <a:t>22.4.2017 г.</a:t>
             </a:fld>
             <a:endParaRPr lang="bg-BG" dirty="0"/>
           </a:p>
@@ -1891,7 +1907,7 @@
             <a:fld id="{DDF1AD93-85FD-4EA9-843D-174D7D974609}" type="datetimeFigureOut">
               <a:rPr lang="bg-BG" smtClean="0"/>
               <a:pPr/>
-              <a:t>12.1.2017 г.</a:t>
+              <a:t>22.4.2017 г.</a:t>
             </a:fld>
             <a:endParaRPr lang="bg-BG" dirty="0"/>
           </a:p>
@@ -1986,7 +2002,7 @@
             <a:fld id="{DDF1AD93-85FD-4EA9-843D-174D7D974609}" type="datetimeFigureOut">
               <a:rPr lang="bg-BG" smtClean="0"/>
               <a:pPr/>
-              <a:t>12.1.2017 г.</a:t>
+              <a:t>22.4.2017 г.</a:t>
             </a:fld>
             <a:endParaRPr lang="bg-BG" dirty="0"/>
           </a:p>
@@ -2263,7 +2279,7 @@
             <a:fld id="{DDF1AD93-85FD-4EA9-843D-174D7D974609}" type="datetimeFigureOut">
               <a:rPr lang="bg-BG" smtClean="0"/>
               <a:pPr/>
-              <a:t>12.1.2017 г.</a:t>
+              <a:t>22.4.2017 г.</a:t>
             </a:fld>
             <a:endParaRPr lang="bg-BG" dirty="0"/>
           </a:p>
@@ -2516,7 +2532,7 @@
             <a:fld id="{DDF1AD93-85FD-4EA9-843D-174D7D974609}" type="datetimeFigureOut">
               <a:rPr lang="bg-BG" smtClean="0"/>
               <a:pPr/>
-              <a:t>12.1.2017 г.</a:t>
+              <a:t>22.4.2017 г.</a:t>
             </a:fld>
             <a:endParaRPr lang="bg-BG" dirty="0"/>
           </a:p>
@@ -2729,7 +2745,7 @@
             <a:fld id="{DDF1AD93-85FD-4EA9-843D-174D7D974609}" type="datetimeFigureOut">
               <a:rPr lang="bg-BG" smtClean="0"/>
               <a:pPr/>
-              <a:t>12.1.2017 г.</a:t>
+              <a:t>22.4.2017 г.</a:t>
             </a:fld>
             <a:endParaRPr lang="bg-BG" dirty="0"/>
           </a:p>
@@ -10066,7 +10082,7 @@
               <a:t> </a:t>
             </a:r>
             <a:r>
-              <a:rPr lang="en-US" sz="2400" b="0" i="0" u="none" strike="noStrike" cap="none" dirty="0" err="1">
+              <a:rPr lang="en-US" sz="2400" b="0" i="0" u="none" strike="noStrike" cap="none" dirty="0" err="1" smtClean="0">
                 <a:solidFill>
                   <a:schemeClr val="dk1"/>
                 </a:solidFill>
@@ -10086,133 +10102,6 @@
               <a:cs typeface="Century Schoolbook"/>
               <a:sym typeface="Century Schoolbook"/>
             </a:endParaRPr>
-          </a:p>
-          <a:p>
-            <a:pPr marL="274320" marR="0" lvl="0" indent="-274320" algn="l" rtl="0">
-              <a:lnSpc>
-                <a:spcPct val="150000"/>
-              </a:lnSpc>
-              <a:spcBef>
-                <a:spcPts val="600"/>
-              </a:spcBef>
-              <a:spcAft>
-                <a:spcPts val="0"/>
-              </a:spcAft>
-              <a:buClr>
-                <a:schemeClr val="accent1"/>
-              </a:buClr>
-              <a:buSzPct val="70000"/>
-              <a:buFont typeface="Noto Sans Symbols"/>
-            </a:pPr>
-            <a:r>
-              <a:rPr lang="bg-BG" sz="2400" b="0" i="0" u="none" strike="noStrike" cap="none" dirty="0" smtClean="0">
-                <a:solidFill>
-                  <a:schemeClr val="dk1"/>
-                </a:solidFill>
-                <a:latin typeface="Century Schoolbook"/>
-                <a:ea typeface="Century Schoolbook"/>
-                <a:cs typeface="Century Schoolbook"/>
-                <a:sym typeface="Century Schoolbook"/>
-              </a:rPr>
-              <a:t> </a:t>
-            </a:r>
-            <a:r>
-              <a:rPr lang="en-US" sz="2400" b="0" i="0" u="none" strike="noStrike" cap="none" dirty="0" err="1" smtClean="0">
-                <a:solidFill>
-                  <a:schemeClr val="dk1"/>
-                </a:solidFill>
-                <a:latin typeface="Century Schoolbook"/>
-                <a:ea typeface="Century Schoolbook"/>
-                <a:cs typeface="Century Schoolbook"/>
-                <a:sym typeface="Century Schoolbook"/>
-              </a:rPr>
-              <a:t>Разширяване</a:t>
-            </a:r>
-            <a:r>
-              <a:rPr lang="en-US" sz="2400" b="0" i="0" u="none" strike="noStrike" cap="none" dirty="0" smtClean="0">
-                <a:solidFill>
-                  <a:schemeClr val="dk1"/>
-                </a:solidFill>
-                <a:latin typeface="Century Schoolbook"/>
-                <a:ea typeface="Century Schoolbook"/>
-                <a:cs typeface="Century Schoolbook"/>
-                <a:sym typeface="Century Schoolbook"/>
-              </a:rPr>
-              <a:t> </a:t>
-            </a:r>
-            <a:r>
-              <a:rPr lang="en-US" sz="2400" b="0" i="0" u="none" strike="noStrike" cap="none" dirty="0" err="1">
-                <a:solidFill>
-                  <a:schemeClr val="dk1"/>
-                </a:solidFill>
-                <a:latin typeface="Century Schoolbook"/>
-                <a:ea typeface="Century Schoolbook"/>
-                <a:cs typeface="Century Schoolbook"/>
-                <a:sym typeface="Century Schoolbook"/>
-              </a:rPr>
-              <a:t>обхвата</a:t>
-            </a:r>
-            <a:r>
-              <a:rPr lang="en-US" sz="2400" b="0" i="0" u="none" strike="noStrike" cap="none" dirty="0">
-                <a:solidFill>
-                  <a:schemeClr val="dk1"/>
-                </a:solidFill>
-                <a:latin typeface="Century Schoolbook"/>
-                <a:ea typeface="Century Schoolbook"/>
-                <a:cs typeface="Century Schoolbook"/>
-                <a:sym typeface="Century Schoolbook"/>
-              </a:rPr>
-              <a:t> </a:t>
-            </a:r>
-            <a:r>
-              <a:rPr lang="en-US" sz="2400" b="0" i="0" u="none" strike="noStrike" cap="none" dirty="0" err="1">
-                <a:solidFill>
-                  <a:schemeClr val="dk1"/>
-                </a:solidFill>
-                <a:latin typeface="Century Schoolbook"/>
-                <a:ea typeface="Century Schoolbook"/>
-                <a:cs typeface="Century Schoolbook"/>
-                <a:sym typeface="Century Schoolbook"/>
-              </a:rPr>
-              <a:t>на</a:t>
-            </a:r>
-            <a:r>
-              <a:rPr lang="en-US" sz="2400" b="0" i="0" u="none" strike="noStrike" cap="none" dirty="0">
-                <a:solidFill>
-                  <a:schemeClr val="dk1"/>
-                </a:solidFill>
-                <a:latin typeface="Century Schoolbook"/>
-                <a:ea typeface="Century Schoolbook"/>
-                <a:cs typeface="Century Schoolbook"/>
-                <a:sym typeface="Century Schoolbook"/>
-              </a:rPr>
-              <a:t> </a:t>
-            </a:r>
-            <a:r>
-              <a:rPr lang="en-US" sz="2400" b="0" i="0" u="none" strike="noStrike" cap="none" dirty="0" err="1" smtClean="0">
-                <a:solidFill>
-                  <a:schemeClr val="dk1"/>
-                </a:solidFill>
-                <a:latin typeface="Century Schoolbook"/>
-                <a:ea typeface="Century Schoolbook"/>
-                <a:cs typeface="Century Schoolbook"/>
-                <a:sym typeface="Century Schoolbook"/>
-              </a:rPr>
-              <a:t>устройствот</a:t>
-            </a:r>
-            <a:r>
-              <a:rPr lang="bg-BG" sz="2400" b="0" i="0" u="none" strike="noStrike" cap="none" dirty="0" smtClean="0">
-                <a:solidFill>
-                  <a:schemeClr val="dk1"/>
-                </a:solidFill>
-                <a:latin typeface="Century Schoolbook"/>
-                <a:ea typeface="Century Schoolbook"/>
-                <a:cs typeface="Century Schoolbook"/>
-                <a:sym typeface="Century Schoolbook"/>
-              </a:rPr>
-              <a:t>о</a:t>
-            </a:r>
-            <a:endParaRPr lang="en-US" dirty="0"/>
           </a:p>
         </p:txBody>
       </p:sp>
@@ -10261,34 +10150,6 @@
         <p:spPr>
           <a:xfrm>
             <a:off x="381000" y="2628900"/>
-            <a:ext cx="399875" cy="277691"/>
-          </a:xfrm>
-          <a:prstGeom prst="rect">
-            <a:avLst/>
-          </a:prstGeom>
-          <a:noFill/>
-          <a:ln>
-            <a:noFill/>
-          </a:ln>
-        </p:spPr>
-      </p:pic>
-      <p:pic>
-        <p:nvPicPr>
-          <p:cNvPr id="10" name="Shape 213"/>
-          <p:cNvPicPr preferRelativeResize="0"/>
-          <p:nvPr/>
-        </p:nvPicPr>
-        <p:blipFill>
-          <a:blip r:embed="rId2" cstate="print">
-            <a:alphaModFix/>
-          </a:blip>
-          <a:stretch>
-            <a:fillRect/>
-          </a:stretch>
-        </p:blipFill>
-        <p:spPr>
-          <a:xfrm>
-            <a:off x="381000" y="3771900"/>
             <a:ext cx="399875" cy="277691"/>
           </a:xfrm>
           <a:prstGeom prst="rect">
